--- a/source/ArchitectureInDetail/images_ExclusionControl/materialExclusionControl.pptx
+++ b/source/ArchitectureInDetail/images_ExclusionControl/materialExclusionControl.pptx
@@ -203,7 +203,7 @@
             <a:fld id="{3BB47352-BF5A-4CD2-B029-996118CD8E01}" type="datetimeFigureOut">
               <a:rPr kumimoji="1" lang="ja-JP" altLang="en-US" smtClean="0"/>
               <a:pPr/>
-              <a:t>2014/10/15</a:t>
+              <a:t>2014/10/27</a:t>
             </a:fld>
             <a:endParaRPr kumimoji="1" lang="ja-JP" altLang="en-US"/>
           </a:p>
@@ -686,7 +686,7 @@
             <a:fld id="{7B9B12EC-6AA0-374B-A2D3-850081A07A26}" type="datetimeFigureOut">
               <a:rPr kumimoji="1" lang="ja-JP" altLang="en-US" smtClean="0"/>
               <a:pPr/>
-              <a:t>2014/10/15</a:t>
+              <a:t>2014/10/27</a:t>
             </a:fld>
             <a:endParaRPr kumimoji="1" lang="ja-JP" altLang="en-US"/>
           </a:p>
@@ -890,7 +890,7 @@
             <a:fld id="{7B9B12EC-6AA0-374B-A2D3-850081A07A26}" type="datetimeFigureOut">
               <a:rPr kumimoji="1" lang="ja-JP" altLang="en-US" smtClean="0"/>
               <a:pPr/>
-              <a:t>2014/10/15</a:t>
+              <a:t>2014/10/27</a:t>
             </a:fld>
             <a:endParaRPr kumimoji="1" lang="ja-JP" altLang="en-US"/>
           </a:p>
@@ -1104,7 +1104,7 @@
             <a:fld id="{7B9B12EC-6AA0-374B-A2D3-850081A07A26}" type="datetimeFigureOut">
               <a:rPr kumimoji="1" lang="ja-JP" altLang="en-US" smtClean="0"/>
               <a:pPr/>
-              <a:t>2014/10/15</a:t>
+              <a:t>2014/10/27</a:t>
             </a:fld>
             <a:endParaRPr kumimoji="1" lang="ja-JP" altLang="en-US"/>
           </a:p>
@@ -1308,7 +1308,7 @@
             <a:fld id="{7B9B12EC-6AA0-374B-A2D3-850081A07A26}" type="datetimeFigureOut">
               <a:rPr kumimoji="1" lang="ja-JP" altLang="en-US" smtClean="0"/>
               <a:pPr/>
-              <a:t>2014/10/15</a:t>
+              <a:t>2014/10/27</a:t>
             </a:fld>
             <a:endParaRPr kumimoji="1" lang="ja-JP" altLang="en-US"/>
           </a:p>
@@ -1556,7 +1556,7 @@
             <a:fld id="{7B9B12EC-6AA0-374B-A2D3-850081A07A26}" type="datetimeFigureOut">
               <a:rPr kumimoji="1" lang="ja-JP" altLang="en-US" smtClean="0"/>
               <a:pPr/>
-              <a:t>2014/10/15</a:t>
+              <a:t>2014/10/27</a:t>
             </a:fld>
             <a:endParaRPr kumimoji="1" lang="ja-JP" altLang="en-US"/>
           </a:p>
@@ -1910,7 +1910,7 @@
             <a:fld id="{7B9B12EC-6AA0-374B-A2D3-850081A07A26}" type="datetimeFigureOut">
               <a:rPr kumimoji="1" lang="ja-JP" altLang="en-US" smtClean="0"/>
               <a:pPr/>
-              <a:t>2014/10/15</a:t>
+              <a:t>2014/10/27</a:t>
             </a:fld>
             <a:endParaRPr kumimoji="1" lang="ja-JP" altLang="en-US"/>
           </a:p>
@@ -2398,7 +2398,7 @@
             <a:fld id="{7B9B12EC-6AA0-374B-A2D3-850081A07A26}" type="datetimeFigureOut">
               <a:rPr kumimoji="1" lang="ja-JP" altLang="en-US" smtClean="0"/>
               <a:pPr/>
-              <a:t>2014/10/15</a:t>
+              <a:t>2014/10/27</a:t>
             </a:fld>
             <a:endParaRPr kumimoji="1" lang="ja-JP" altLang="en-US"/>
           </a:p>
@@ -2518,7 +2518,7 @@
             <a:fld id="{7B9B12EC-6AA0-374B-A2D3-850081A07A26}" type="datetimeFigureOut">
               <a:rPr kumimoji="1" lang="ja-JP" altLang="en-US" smtClean="0"/>
               <a:pPr/>
-              <a:t>2014/10/15</a:t>
+              <a:t>2014/10/27</a:t>
             </a:fld>
             <a:endParaRPr kumimoji="1" lang="ja-JP" altLang="en-US"/>
           </a:p>
@@ -2615,7 +2615,7 @@
             <a:fld id="{7B9B12EC-6AA0-374B-A2D3-850081A07A26}" type="datetimeFigureOut">
               <a:rPr kumimoji="1" lang="ja-JP" altLang="en-US" smtClean="0"/>
               <a:pPr/>
-              <a:t>2014/10/15</a:t>
+              <a:t>2014/10/27</a:t>
             </a:fld>
             <a:endParaRPr kumimoji="1" lang="ja-JP" altLang="en-US"/>
           </a:p>
@@ -2926,7 +2926,7 @@
             <a:fld id="{7B9B12EC-6AA0-374B-A2D3-850081A07A26}" type="datetimeFigureOut">
               <a:rPr kumimoji="1" lang="ja-JP" altLang="en-US" smtClean="0"/>
               <a:pPr/>
-              <a:t>2014/10/15</a:t>
+              <a:t>2014/10/27</a:t>
             </a:fld>
             <a:endParaRPr kumimoji="1" lang="ja-JP" altLang="en-US"/>
           </a:p>
@@ -3181,7 +3181,7 @@
             <a:fld id="{7B9B12EC-6AA0-374B-A2D3-850081A07A26}" type="datetimeFigureOut">
               <a:rPr kumimoji="1" lang="ja-JP" altLang="en-US" smtClean="0"/>
               <a:pPr/>
-              <a:t>2014/10/15</a:t>
+              <a:t>2014/10/27</a:t>
             </a:fld>
             <a:endParaRPr kumimoji="1" lang="ja-JP" altLang="en-US"/>
           </a:p>
@@ -3428,7 +3428,7 @@
             <a:fld id="{7B9B12EC-6AA0-374B-A2D3-850081A07A26}" type="datetimeFigureOut">
               <a:rPr kumimoji="1" lang="ja-JP" altLang="en-US" smtClean="0"/>
               <a:pPr/>
-              <a:t>2014/10/15</a:t>
+              <a:t>2014/10/27</a:t>
             </a:fld>
             <a:endParaRPr kumimoji="1" lang="ja-JP" altLang="en-US"/>
           </a:p>
@@ -19943,12 +19943,43 @@
           <a:lstStyle/>
           <a:p>
             <a:r>
+              <a:rPr lang="en-US" altLang="ja-JP" sz="1400" b="1" dirty="0" smtClean="0">
+                <a:solidFill>
+                  <a:schemeClr val="bg1"/>
+                </a:solidFill>
+              </a:rPr>
+              <a:t>Version </a:t>
+            </a:r>
+            <a:r>
               <a:rPr lang="en-US" altLang="ja-JP" sz="1400" b="1" dirty="0">
                 <a:solidFill>
                   <a:schemeClr val="bg1"/>
                 </a:solidFill>
               </a:rPr>
-              <a:t>version is mismatched to latest version.</a:t>
+              <a:t>mismatch with </a:t>
+            </a:r>
+            <a:endParaRPr lang="en-US" altLang="ja-JP" sz="1400" b="1" dirty="0" smtClean="0">
+              <a:solidFill>
+                <a:schemeClr val="bg1"/>
+              </a:solidFill>
+            </a:endParaRPr>
+          </a:p>
+          <a:p>
+            <a:r>
+              <a:rPr lang="en-US" altLang="ja-JP" sz="1400" b="1" dirty="0" smtClean="0">
+                <a:solidFill>
+                  <a:schemeClr val="bg1"/>
+                </a:solidFill>
+              </a:rPr>
+              <a:t>latest version</a:t>
+            </a:r>
+            <a:r>
+              <a:rPr lang="en-US" altLang="ja-JP" sz="1400" b="1" dirty="0" smtClean="0">
+                <a:solidFill>
+                  <a:schemeClr val="bg1"/>
+                </a:solidFill>
+              </a:rPr>
+              <a:t>.</a:t>
             </a:r>
             <a:endParaRPr kumimoji="1" lang="ja-JP" altLang="en-US" sz="1400" b="1" dirty="0">
               <a:solidFill>
@@ -24015,12 +24046,12 @@
           <a:lstStyle/>
           <a:p>
             <a:r>
-              <a:rPr lang="en-US" altLang="ja-JP" sz="1400" b="1" dirty="0">
-                <a:solidFill>
-                  <a:schemeClr val="bg1"/>
-                </a:solidFill>
-              </a:rPr>
-              <a:t>Occur timeout</a:t>
+              <a:rPr lang="en-US" altLang="ja-JP" sz="1400" b="1" dirty="0" smtClean="0"/>
+              <a:t>Timeout </a:t>
+            </a:r>
+            <a:r>
+              <a:rPr lang="en-US" altLang="ja-JP" sz="1400" b="1" dirty="0"/>
+              <a:t>occurs</a:t>
             </a:r>
             <a:endParaRPr kumimoji="1" lang="ja-JP" altLang="en-US" sz="1400" b="1" dirty="0">
               <a:solidFill>
